--- a/assets/images/drawing.pptx
+++ b/assets/images/drawing.pptx
@@ -4705,8 +4705,8 @@
         </p:nvSpPr>
         <p:spPr>
           <a:xfrm>
-            <a:off x="3833420" y="1094408"/>
-            <a:ext cx="1224136" cy="524964"/>
+            <a:off x="3635896" y="1094408"/>
+            <a:ext cx="1728192" cy="524964"/>
           </a:xfrm>
           <a:prstGeom prst="rect">
             <a:avLst/>
@@ -4733,8 +4733,16 @@
             <a:pPr algn="ctr"/>
             <a:r>
               <a:rPr lang="en-US" altLang="zh-CN" dirty="0" smtClean="0"/>
-              <a:t>filter1</a:t>
-            </a:r>
+              <a:t>Filter1</a:t>
+            </a:r>
+          </a:p>
+          <a:p>
+            <a:pPr algn="ctr"/>
+            <a:r>
+              <a:rPr lang="en-US" altLang="zh-CN" dirty="0" smtClean="0"/>
+              <a:t>(source=server1)</a:t>
+            </a:r>
+            <a:endParaRPr lang="en-US" altLang="zh-CN" dirty="0" smtClean="0"/>
           </a:p>
         </p:txBody>
       </p:sp>
@@ -4746,8 +4754,8 @@
         </p:nvSpPr>
         <p:spPr>
           <a:xfrm>
-            <a:off x="6831302" y="944412"/>
-            <a:ext cx="1656184" cy="792088"/>
+            <a:off x="6660232" y="944412"/>
+            <a:ext cx="1827254" cy="792088"/>
           </a:xfrm>
           <a:prstGeom prst="roundRect">
             <a:avLst/>
@@ -4774,9 +4782,8 @@
             <a:pPr algn="ctr"/>
             <a:r>
               <a:rPr lang="en-US" altLang="zh-CN" dirty="0" smtClean="0"/>
-              <a:t>stream1</a:t>
-            </a:r>
-            <a:endParaRPr lang="zh-CN" altLang="en-US" dirty="0"/>
+              <a:t>Server1 Stream</a:t>
+            </a:r>
           </a:p>
         </p:txBody>
       </p:sp>
@@ -4904,14 +4911,94 @@
       </p:sp>
       <p:sp>
         <p:nvSpPr>
-          <p:cNvPr id="11" name="矩形 10"/>
+          <p:cNvPr id="12" name="圆角矩形 11"/>
           <p:cNvSpPr/>
           <p:nvPr/>
         </p:nvSpPr>
         <p:spPr>
           <a:xfrm>
-            <a:off x="3829036" y="2120136"/>
-            <a:ext cx="1224136" cy="524964"/>
+            <a:off x="6660232" y="1986573"/>
+            <a:ext cx="1827254" cy="792088"/>
+          </a:xfrm>
+          <a:prstGeom prst="roundRect">
+            <a:avLst/>
+          </a:prstGeom>
+        </p:spPr>
+        <p:style>
+          <a:lnRef idx="2">
+            <a:schemeClr val="accent4"/>
+          </a:lnRef>
+          <a:fillRef idx="1">
+            <a:schemeClr val="lt1"/>
+          </a:fillRef>
+          <a:effectRef idx="0">
+            <a:schemeClr val="accent4"/>
+          </a:effectRef>
+          <a:fontRef idx="minor">
+            <a:schemeClr val="dk1"/>
+          </a:fontRef>
+        </p:style>
+        <p:txBody>
+          <a:bodyPr rtlCol="0" anchor="ctr"/>
+          <a:lstStyle/>
+          <a:p>
+            <a:pPr algn="ctr"/>
+            <a:r>
+              <a:rPr lang="en-US" altLang="zh-CN" dirty="0" smtClean="0"/>
+              <a:t>QA Stream</a:t>
+            </a:r>
+            <a:endParaRPr lang="zh-CN" altLang="en-US" dirty="0"/>
+          </a:p>
+        </p:txBody>
+      </p:sp>
+      <p:sp>
+        <p:nvSpPr>
+          <p:cNvPr id="13" name="右箭头 12"/>
+          <p:cNvSpPr/>
+          <p:nvPr/>
+        </p:nvSpPr>
+        <p:spPr>
+          <a:xfrm>
+            <a:off x="5742096" y="2289701"/>
+            <a:ext cx="432048" cy="185833"/>
+          </a:xfrm>
+          <a:prstGeom prst="rightArrow">
+            <a:avLst/>
+          </a:prstGeom>
+        </p:spPr>
+        <p:style>
+          <a:lnRef idx="2">
+            <a:schemeClr val="accent3"/>
+          </a:lnRef>
+          <a:fillRef idx="1">
+            <a:schemeClr val="lt1"/>
+          </a:fillRef>
+          <a:effectRef idx="0">
+            <a:schemeClr val="accent3"/>
+          </a:effectRef>
+          <a:fontRef idx="minor">
+            <a:schemeClr val="dk1"/>
+          </a:fontRef>
+        </p:style>
+        <p:txBody>
+          <a:bodyPr rtlCol="0" anchor="ctr"/>
+          <a:lstStyle/>
+          <a:p>
+            <a:pPr algn="ctr"/>
+            <a:endParaRPr lang="zh-CN" altLang="en-US"/>
+          </a:p>
+        </p:txBody>
+      </p:sp>
+      <p:sp>
+        <p:nvSpPr>
+          <p:cNvPr id="14" name="矩形 13"/>
+          <p:cNvSpPr/>
+          <p:nvPr/>
+        </p:nvSpPr>
+        <p:spPr>
+          <a:xfrm>
+            <a:off x="3635896" y="3130514"/>
+            <a:ext cx="1728192" cy="524964"/>
           </a:xfrm>
           <a:prstGeom prst="rect">
             <a:avLst/>
@@ -4938,21 +5025,21 @@
             <a:pPr algn="ctr"/>
             <a:r>
               <a:rPr lang="en-US" altLang="zh-CN" dirty="0" smtClean="0"/>
-              <a:t>filter2</a:t>
-            </a:r>
-          </a:p>
-        </p:txBody>
-      </p:sp>
-      <p:sp>
-        <p:nvSpPr>
-          <p:cNvPr id="12" name="圆角矩形 11"/>
+              <a:t>_default_</a:t>
+            </a:r>
+          </a:p>
+        </p:txBody>
+      </p:sp>
+      <p:sp>
+        <p:nvSpPr>
+          <p:cNvPr id="15" name="圆角矩形 14"/>
           <p:cNvSpPr/>
           <p:nvPr/>
         </p:nvSpPr>
         <p:spPr>
           <a:xfrm>
-            <a:off x="6831302" y="1986573"/>
-            <a:ext cx="1656184" cy="792088"/>
+            <a:off x="6660232" y="2996952"/>
+            <a:ext cx="1827254" cy="792088"/>
           </a:xfrm>
           <a:prstGeom prst="roundRect">
             <a:avLst/>
@@ -4979,7 +5066,7 @@
             <a:pPr algn="ctr"/>
             <a:r>
               <a:rPr lang="en-US" altLang="zh-CN" dirty="0" smtClean="0"/>
-              <a:t>stream2</a:t>
+              <a:t>All messages</a:t>
             </a:r>
             <a:endParaRPr lang="zh-CN" altLang="en-US" dirty="0"/>
           </a:p>
@@ -4987,13 +5074,13 @@
       </p:sp>
       <p:sp>
         <p:nvSpPr>
-          <p:cNvPr id="13" name="右箭头 12"/>
+          <p:cNvPr id="16" name="右箭头 15"/>
           <p:cNvSpPr/>
           <p:nvPr/>
         </p:nvSpPr>
         <p:spPr>
           <a:xfrm>
-            <a:off x="5742096" y="2289701"/>
+            <a:off x="5742096" y="3300079"/>
             <a:ext cx="432048" cy="185833"/>
           </a:xfrm>
           <a:prstGeom prst="rightArrow">
@@ -5025,14 +5112,14 @@
       </p:sp>
       <p:sp>
         <p:nvSpPr>
-          <p:cNvPr id="14" name="矩形 13"/>
+          <p:cNvPr id="17" name="矩形 16"/>
           <p:cNvSpPr/>
           <p:nvPr/>
         </p:nvSpPr>
         <p:spPr>
           <a:xfrm>
-            <a:off x="3829036" y="3130514"/>
-            <a:ext cx="1224136" cy="524964"/>
+            <a:off x="3635896" y="2111948"/>
+            <a:ext cx="1728192" cy="524964"/>
           </a:xfrm>
           <a:prstGeom prst="rect">
             <a:avLst/>
@@ -5059,88 +5146,24 @@
             <a:pPr algn="ctr"/>
             <a:r>
               <a:rPr lang="en-US" altLang="zh-CN" dirty="0" smtClean="0"/>
-              <a:t>_default_</a:t>
-            </a:r>
-          </a:p>
-        </p:txBody>
-      </p:sp>
-      <p:sp>
-        <p:nvSpPr>
-          <p:cNvPr id="15" name="圆角矩形 14"/>
-          <p:cNvSpPr/>
-          <p:nvPr/>
-        </p:nvSpPr>
-        <p:spPr>
-          <a:xfrm>
-            <a:off x="6831302" y="2996952"/>
-            <a:ext cx="1656184" cy="792088"/>
-          </a:xfrm>
-          <a:prstGeom prst="roundRect">
-            <a:avLst/>
-          </a:prstGeom>
-        </p:spPr>
-        <p:style>
-          <a:lnRef idx="2">
-            <a:schemeClr val="accent4"/>
-          </a:lnRef>
-          <a:fillRef idx="1">
-            <a:schemeClr val="lt1"/>
-          </a:fillRef>
-          <a:effectRef idx="0">
-            <a:schemeClr val="accent4"/>
-          </a:effectRef>
-          <a:fontRef idx="minor">
-            <a:schemeClr val="dk1"/>
-          </a:fontRef>
-        </p:style>
-        <p:txBody>
-          <a:bodyPr rtlCol="0" anchor="ctr"/>
-          <a:lstStyle/>
+              <a:t>Filter2</a:t>
+            </a:r>
+          </a:p>
           <a:p>
             <a:pPr algn="ctr"/>
             <a:r>
               <a:rPr lang="en-US" altLang="zh-CN" dirty="0" smtClean="0"/>
-              <a:t>All messages</a:t>
-            </a:r>
-            <a:endParaRPr lang="zh-CN" altLang="en-US" dirty="0"/>
-          </a:p>
-        </p:txBody>
-      </p:sp>
-      <p:sp>
-        <p:nvSpPr>
-          <p:cNvPr id="16" name="右箭头 15"/>
-          <p:cNvSpPr/>
-          <p:nvPr/>
-        </p:nvSpPr>
-        <p:spPr>
-          <a:xfrm>
-            <a:off x="5742096" y="3300079"/>
-            <a:ext cx="432048" cy="185833"/>
-          </a:xfrm>
-          <a:prstGeom prst="rightArrow">
-            <a:avLst/>
-          </a:prstGeom>
-        </p:spPr>
-        <p:style>
-          <a:lnRef idx="2">
-            <a:schemeClr val="accent3"/>
-          </a:lnRef>
-          <a:fillRef idx="1">
-            <a:schemeClr val="lt1"/>
-          </a:fillRef>
-          <a:effectRef idx="0">
-            <a:schemeClr val="accent3"/>
-          </a:effectRef>
-          <a:fontRef idx="minor">
-            <a:schemeClr val="dk1"/>
-          </a:fontRef>
-        </p:style>
-        <p:txBody>
-          <a:bodyPr rtlCol="0" anchor="ctr"/>
-          <a:lstStyle/>
-          <a:p>
-            <a:pPr algn="ctr"/>
-            <a:endParaRPr lang="zh-CN" altLang="en-US"/>
+              <a:t>(</a:t>
+            </a:r>
+            <a:r>
+              <a:rPr lang="en-US" altLang="zh-CN" dirty="0" err="1" smtClean="0"/>
+              <a:t>env</a:t>
+            </a:r>
+            <a:r>
+              <a:rPr lang="en-US" altLang="zh-CN" dirty="0" smtClean="0"/>
+              <a:t>=QA)</a:t>
+            </a:r>
+            <a:endParaRPr lang="en-US" altLang="zh-CN" dirty="0" smtClean="0"/>
           </a:p>
         </p:txBody>
       </p:sp>
